--- a/Documentação/Canvax/Canvax.pptx
+++ b/Documentação/Canvax/Canvax.pptx
@@ -104,6 +104,11 @@
       </a:defRPr>
     </a:lvl9pPr>
   </p:defaultTextStyle>
+  <p:extLst>
+    <p:ext uri="{EFAFB233-063F-42B5-8137-9DF3F51BA10A}">
+      <p15:sldGuideLst xmlns:p15="http://schemas.microsoft.com/office/powerpoint/2012/main"/>
+    </p:ext>
+  </p:extLst>
 </p:presentation>
 </file>
 
@@ -254,7 +259,7 @@
           <a:p>
             <a:fld id="{7474B9EC-23F1-49BB-B6D8-2F508662A802}" type="datetimeFigureOut">
               <a:rPr lang="pt-BR" smtClean="0"/>
-              <a:t>07/09/2020</a:t>
+              <a:t>09/09/2020</a:t>
             </a:fld>
             <a:endParaRPr lang="pt-BR"/>
           </a:p>
@@ -452,7 +457,7 @@
           <a:p>
             <a:fld id="{7474B9EC-23F1-49BB-B6D8-2F508662A802}" type="datetimeFigureOut">
               <a:rPr lang="pt-BR" smtClean="0"/>
-              <a:t>07/09/2020</a:t>
+              <a:t>09/09/2020</a:t>
             </a:fld>
             <a:endParaRPr lang="pt-BR"/>
           </a:p>
@@ -660,7 +665,7 @@
           <a:p>
             <a:fld id="{7474B9EC-23F1-49BB-B6D8-2F508662A802}" type="datetimeFigureOut">
               <a:rPr lang="pt-BR" smtClean="0"/>
-              <a:t>07/09/2020</a:t>
+              <a:t>09/09/2020</a:t>
             </a:fld>
             <a:endParaRPr lang="pt-BR"/>
           </a:p>
@@ -858,7 +863,7 @@
           <a:p>
             <a:fld id="{7474B9EC-23F1-49BB-B6D8-2F508662A802}" type="datetimeFigureOut">
               <a:rPr lang="pt-BR" smtClean="0"/>
-              <a:t>07/09/2020</a:t>
+              <a:t>09/09/2020</a:t>
             </a:fld>
             <a:endParaRPr lang="pt-BR"/>
           </a:p>
@@ -1133,7 +1138,7 @@
           <a:p>
             <a:fld id="{7474B9EC-23F1-49BB-B6D8-2F508662A802}" type="datetimeFigureOut">
               <a:rPr lang="pt-BR" smtClean="0"/>
-              <a:t>07/09/2020</a:t>
+              <a:t>09/09/2020</a:t>
             </a:fld>
             <a:endParaRPr lang="pt-BR"/>
           </a:p>
@@ -1398,7 +1403,7 @@
           <a:p>
             <a:fld id="{7474B9EC-23F1-49BB-B6D8-2F508662A802}" type="datetimeFigureOut">
               <a:rPr lang="pt-BR" smtClean="0"/>
-              <a:t>07/09/2020</a:t>
+              <a:t>09/09/2020</a:t>
             </a:fld>
             <a:endParaRPr lang="pt-BR"/>
           </a:p>
@@ -1810,7 +1815,7 @@
           <a:p>
             <a:fld id="{7474B9EC-23F1-49BB-B6D8-2F508662A802}" type="datetimeFigureOut">
               <a:rPr lang="pt-BR" smtClean="0"/>
-              <a:t>07/09/2020</a:t>
+              <a:t>09/09/2020</a:t>
             </a:fld>
             <a:endParaRPr lang="pt-BR"/>
           </a:p>
@@ -1951,7 +1956,7 @@
           <a:p>
             <a:fld id="{7474B9EC-23F1-49BB-B6D8-2F508662A802}" type="datetimeFigureOut">
               <a:rPr lang="pt-BR" smtClean="0"/>
-              <a:t>07/09/2020</a:t>
+              <a:t>09/09/2020</a:t>
             </a:fld>
             <a:endParaRPr lang="pt-BR"/>
           </a:p>
@@ -2064,7 +2069,7 @@
           <a:p>
             <a:fld id="{7474B9EC-23F1-49BB-B6D8-2F508662A802}" type="datetimeFigureOut">
               <a:rPr lang="pt-BR" smtClean="0"/>
-              <a:t>07/09/2020</a:t>
+              <a:t>09/09/2020</a:t>
             </a:fld>
             <a:endParaRPr lang="pt-BR"/>
           </a:p>
@@ -2375,7 +2380,7 @@
           <a:p>
             <a:fld id="{7474B9EC-23F1-49BB-B6D8-2F508662A802}" type="datetimeFigureOut">
               <a:rPr lang="pt-BR" smtClean="0"/>
-              <a:t>07/09/2020</a:t>
+              <a:t>09/09/2020</a:t>
             </a:fld>
             <a:endParaRPr lang="pt-BR"/>
           </a:p>
@@ -2663,7 +2668,7 @@
           <a:p>
             <a:fld id="{7474B9EC-23F1-49BB-B6D8-2F508662A802}" type="datetimeFigureOut">
               <a:rPr lang="pt-BR" smtClean="0"/>
-              <a:t>07/09/2020</a:t>
+              <a:t>09/09/2020</a:t>
             </a:fld>
             <a:endParaRPr lang="pt-BR"/>
           </a:p>
@@ -2904,7 +2909,7 @@
           <a:p>
             <a:fld id="{7474B9EC-23F1-49BB-B6D8-2F508662A802}" type="datetimeFigureOut">
               <a:rPr lang="pt-BR" smtClean="0"/>
-              <a:t>07/09/2020</a:t>
+              <a:t>09/09/2020</a:t>
             </a:fld>
             <a:endParaRPr lang="pt-BR"/>
           </a:p>
@@ -3379,6 +3384,13 @@
               <a:srgbClr val="DDC379"/>
             </a:solidFill>
           </a:ln>
+          <a:effectLst>
+            <a:outerShdw blurRad="50800" dist="38100" dir="10800000" algn="r" rotWithShape="0">
+              <a:prstClr val="black">
+                <a:alpha val="40000"/>
+              </a:prstClr>
+            </a:outerShdw>
+          </a:effectLst>
         </p:spPr>
         <p:style>
           <a:lnRef idx="2">
@@ -3436,6 +3448,13 @@
               <a:srgbClr val="DDC379"/>
             </a:solidFill>
           </a:ln>
+          <a:effectLst>
+            <a:outerShdw blurRad="50800" dist="38100" dir="10800000" algn="r" rotWithShape="0">
+              <a:prstClr val="black">
+                <a:alpha val="40000"/>
+              </a:prstClr>
+            </a:outerShdw>
+          </a:effectLst>
         </p:spPr>
         <p:style>
           <a:lnRef idx="2">
@@ -3493,6 +3512,13 @@
               <a:srgbClr val="8764B8"/>
             </a:solidFill>
           </a:ln>
+          <a:effectLst>
+            <a:outerShdw blurRad="50800" dist="38100" dir="10800000" algn="r" rotWithShape="0">
+              <a:prstClr val="black">
+                <a:alpha val="40000"/>
+              </a:prstClr>
+            </a:outerShdw>
+          </a:effectLst>
         </p:spPr>
         <p:style>
           <a:lnRef idx="2">
@@ -3550,6 +3576,13 @@
               <a:srgbClr val="F81073"/>
             </a:solidFill>
           </a:ln>
+          <a:effectLst>
+            <a:outerShdw blurRad="50800" dist="38100" dir="10800000" algn="r" rotWithShape="0">
+              <a:prstClr val="black">
+                <a:alpha val="40000"/>
+              </a:prstClr>
+            </a:outerShdw>
+          </a:effectLst>
         </p:spPr>
         <p:style>
           <a:lnRef idx="2">
@@ -3593,7 +3626,7 @@
         </p:nvSpPr>
         <p:spPr>
           <a:xfrm>
-            <a:off x="7109792" y="3428999"/>
+            <a:off x="7109792" y="3351791"/>
             <a:ext cx="1961322" cy="397565"/>
           </a:xfrm>
           <a:prstGeom prst="rect">
@@ -3607,6 +3640,13 @@
               <a:srgbClr val="C632D6"/>
             </a:solidFill>
           </a:ln>
+          <a:effectLst>
+            <a:outerShdw blurRad="50800" dist="38100" dir="10800000" algn="r" rotWithShape="0">
+              <a:prstClr val="black">
+                <a:alpha val="40000"/>
+              </a:prstClr>
+            </a:outerShdw>
+          </a:effectLst>
         </p:spPr>
         <p:style>
           <a:lnRef idx="2">
@@ -3664,6 +3704,13 @@
               <a:srgbClr val="F81073"/>
             </a:solidFill>
           </a:ln>
+          <a:effectLst>
+            <a:outerShdw blurRad="50800" dist="38100" dir="10800000" algn="r" rotWithShape="0">
+              <a:prstClr val="black">
+                <a:alpha val="40000"/>
+              </a:prstClr>
+            </a:outerShdw>
+          </a:effectLst>
         </p:spPr>
         <p:style>
           <a:lnRef idx="2">
@@ -3721,6 +3768,13 @@
               <a:srgbClr val="67A185"/>
             </a:solidFill>
           </a:ln>
+          <a:effectLst>
+            <a:outerShdw blurRad="50800" dist="38100" dir="10800000" algn="r" rotWithShape="0">
+              <a:prstClr val="black">
+                <a:alpha val="40000"/>
+              </a:prstClr>
+            </a:outerShdw>
+          </a:effectLst>
         </p:spPr>
         <p:style>
           <a:lnRef idx="2">
@@ -3778,6 +3832,13 @@
               <a:srgbClr val="67A185"/>
             </a:solidFill>
           </a:ln>
+          <a:effectLst>
+            <a:outerShdw blurRad="50800" dist="38100" dir="10800000" algn="r" rotWithShape="0">
+              <a:prstClr val="black">
+                <a:alpha val="40000"/>
+              </a:prstClr>
+            </a:outerShdw>
+          </a:effectLst>
         </p:spPr>
         <p:style>
           <a:lnRef idx="2">
@@ -3835,6 +3896,13 @@
               <a:srgbClr val="8764B8"/>
             </a:solidFill>
           </a:ln>
+          <a:effectLst>
+            <a:outerShdw blurRad="50800" dist="38100" dir="10800000" algn="r" rotWithShape="0">
+              <a:prstClr val="black">
+                <a:alpha val="40000"/>
+              </a:prstClr>
+            </a:outerShdw>
+          </a:effectLst>
         </p:spPr>
         <p:style>
           <a:lnRef idx="2">
@@ -3878,7 +3946,7 @@
         </p:nvSpPr>
         <p:spPr>
           <a:xfrm>
-            <a:off x="5164275" y="2464467"/>
+            <a:off x="5164275" y="2426669"/>
             <a:ext cx="1863450" cy="563222"/>
           </a:xfrm>
           <a:prstGeom prst="rect">
@@ -3892,6 +3960,13 @@
               <a:srgbClr val="8764B8"/>
             </a:solidFill>
           </a:ln>
+          <a:effectLst>
+            <a:outerShdw blurRad="50800" dist="38100" dir="10800000" algn="r" rotWithShape="0">
+              <a:prstClr val="black">
+                <a:alpha val="40000"/>
+              </a:prstClr>
+            </a:outerShdw>
+          </a:effectLst>
         </p:spPr>
         <p:style>
           <a:lnRef idx="2">
@@ -3949,6 +4024,13 @@
               <a:srgbClr val="C632D6"/>
             </a:solidFill>
           </a:ln>
+          <a:effectLst>
+            <a:outerShdw blurRad="50800" dist="38100" dir="10800000" algn="r" rotWithShape="0">
+              <a:prstClr val="black">
+                <a:alpha val="40000"/>
+              </a:prstClr>
+            </a:outerShdw>
+          </a:effectLst>
         </p:spPr>
         <p:style>
           <a:lnRef idx="2">
@@ -4006,6 +4088,13 @@
               <a:srgbClr val="C632D6"/>
             </a:solidFill>
           </a:ln>
+          <a:effectLst>
+            <a:outerShdw blurRad="50800" dist="38100" dir="10800000" algn="r" rotWithShape="0">
+              <a:prstClr val="black">
+                <a:alpha val="40000"/>
+              </a:prstClr>
+            </a:outerShdw>
+          </a:effectLst>
         </p:spPr>
         <p:style>
           <a:lnRef idx="2">
@@ -4049,7 +4138,7 @@
         </p:nvSpPr>
         <p:spPr>
           <a:xfrm>
-            <a:off x="5173455" y="3176554"/>
+            <a:off x="5173455" y="3101005"/>
             <a:ext cx="1863450" cy="563223"/>
           </a:xfrm>
           <a:prstGeom prst="rect">
@@ -4063,6 +4152,13 @@
               <a:srgbClr val="8764B8"/>
             </a:solidFill>
           </a:ln>
+          <a:effectLst>
+            <a:outerShdw blurRad="50800" dist="38100" dir="10800000" algn="r" rotWithShape="0">
+              <a:prstClr val="black">
+                <a:alpha val="40000"/>
+              </a:prstClr>
+            </a:outerShdw>
+          </a:effectLst>
         </p:spPr>
         <p:style>
           <a:lnRef idx="2">
@@ -4106,12 +4202,24 @@
         </p:nvSpPr>
         <p:spPr>
           <a:xfrm>
-            <a:off x="3205505" y="3176554"/>
+            <a:off x="3205504" y="3147387"/>
             <a:ext cx="1790563" cy="563223"/>
           </a:xfrm>
           <a:prstGeom prst="rect">
             <a:avLst/>
           </a:prstGeom>
+          <a:ln>
+            <a:solidFill>
+              <a:srgbClr val="0070C0"/>
+            </a:solidFill>
+          </a:ln>
+          <a:effectLst>
+            <a:outerShdw blurRad="50800" dist="38100" dir="10800000" algn="r" rotWithShape="0">
+              <a:prstClr val="black">
+                <a:alpha val="40000"/>
+              </a:prstClr>
+            </a:outerShdw>
+          </a:effectLst>
         </p:spPr>
         <p:style>
           <a:lnRef idx="2">
@@ -4155,12 +4263,24 @@
         </p:nvSpPr>
         <p:spPr>
           <a:xfrm>
-            <a:off x="3205504" y="3799410"/>
+            <a:off x="3205504" y="3749356"/>
             <a:ext cx="1790563" cy="563222"/>
           </a:xfrm>
           <a:prstGeom prst="rect">
             <a:avLst/>
           </a:prstGeom>
+          <a:ln>
+            <a:solidFill>
+              <a:srgbClr val="0070C0"/>
+            </a:solidFill>
+          </a:ln>
+          <a:effectLst>
+            <a:outerShdw blurRad="50800" dist="38100" dir="10800000" algn="r" rotWithShape="0">
+              <a:prstClr val="black">
+                <a:alpha val="40000"/>
+              </a:prstClr>
+            </a:outerShdw>
+          </a:effectLst>
         </p:spPr>
         <p:style>
           <a:lnRef idx="2">
@@ -4204,12 +4324,24 @@
         </p:nvSpPr>
         <p:spPr>
           <a:xfrm>
-            <a:off x="3212134" y="4419483"/>
+            <a:off x="3212134" y="4369980"/>
             <a:ext cx="1783933" cy="563223"/>
           </a:xfrm>
           <a:prstGeom prst="rect">
             <a:avLst/>
           </a:prstGeom>
+          <a:ln>
+            <a:solidFill>
+              <a:srgbClr val="0070C0"/>
+            </a:solidFill>
+          </a:ln>
+          <a:effectLst>
+            <a:outerShdw blurRad="50800" dist="38100" dir="10800000" algn="r" rotWithShape="0">
+              <a:prstClr val="black">
+                <a:alpha val="40000"/>
+              </a:prstClr>
+            </a:outerShdw>
+          </a:effectLst>
         </p:spPr>
         <p:style>
           <a:lnRef idx="2">
@@ -4253,8 +4385,8 @@
         </p:nvSpPr>
         <p:spPr>
           <a:xfrm>
-            <a:off x="5156372" y="3888639"/>
-            <a:ext cx="1863450" cy="1465239"/>
+            <a:off x="5173455" y="3787670"/>
+            <a:ext cx="1863450" cy="562353"/>
           </a:xfrm>
           <a:prstGeom prst="rect">
             <a:avLst/>
@@ -4267,6 +4399,13 @@
               <a:srgbClr val="8764B8"/>
             </a:solidFill>
           </a:ln>
+          <a:effectLst>
+            <a:outerShdw blurRad="50800" dist="38100" dir="10800000" algn="r" rotWithShape="0">
+              <a:prstClr val="black">
+                <a:alpha val="40000"/>
+              </a:prstClr>
+            </a:outerShdw>
+          </a:effectLst>
         </p:spPr>
         <p:style>
           <a:lnRef idx="2">
@@ -4291,7 +4430,7 @@
             <a:pPr algn="ctr"/>
             <a:r>
               <a:rPr lang="pt-BR" dirty="0"/>
-              <a:t>Pode ficar despreocupado , caso acontecer algo com o computador</a:t>
+              <a:t>Despreocupação</a:t>
             </a:r>
           </a:p>
         </p:txBody>
@@ -4316,6 +4455,21 @@
           <a:prstGeom prst="rect">
             <a:avLst/>
           </a:prstGeom>
+          <a:solidFill>
+            <a:srgbClr val="DF6B94"/>
+          </a:solidFill>
+          <a:ln>
+            <a:solidFill>
+              <a:srgbClr val="DF6B94"/>
+            </a:solidFill>
+          </a:ln>
+          <a:effectLst>
+            <a:outerShdw blurRad="50800" dist="38100" dir="10800000" algn="r" rotWithShape="0">
+              <a:prstClr val="black">
+                <a:alpha val="40000"/>
+              </a:prstClr>
+            </a:outerShdw>
+          </a:effectLst>
         </p:spPr>
         <p:style>
           <a:lnRef idx="2">
@@ -4365,6 +4519,21 @@
           <a:prstGeom prst="rect">
             <a:avLst/>
           </a:prstGeom>
+          <a:solidFill>
+            <a:srgbClr val="DF6B94"/>
+          </a:solidFill>
+          <a:ln>
+            <a:solidFill>
+              <a:srgbClr val="DF6B94"/>
+            </a:solidFill>
+          </a:ln>
+          <a:effectLst>
+            <a:outerShdw blurRad="50800" dist="38100" dir="10800000" algn="r" rotWithShape="0">
+              <a:prstClr val="black">
+                <a:alpha val="40000"/>
+              </a:prstClr>
+            </a:outerShdw>
+          </a:effectLst>
         </p:spPr>
         <p:style>
           <a:lnRef idx="2">
@@ -4396,10 +4565,10 @@
       </p:sp>
       <p:sp>
         <p:nvSpPr>
-          <p:cNvPr id="66" name="Retângulo 65">
-            <a:extLst>
-              <a:ext uri="{FF2B5EF4-FFF2-40B4-BE49-F238E27FC236}">
-                <a16:creationId xmlns:a16="http://schemas.microsoft.com/office/drawing/2014/main" id="{EEB7B973-7FBE-441E-A95B-76EF6B6137BB}"/>
+          <p:cNvPr id="2" name="Retângulo 1">
+            <a:extLst>
+              <a:ext uri="{FF2B5EF4-FFF2-40B4-BE49-F238E27FC236}">
+                <a16:creationId xmlns:a16="http://schemas.microsoft.com/office/drawing/2014/main" id="{57B764CF-A757-4764-8D94-B0F4A633A4A0}"/>
               </a:ext>
             </a:extLst>
           </p:cNvPr>
@@ -4408,12 +4577,27 @@
         </p:nvSpPr>
         <p:spPr>
           <a:xfrm>
-            <a:off x="1126678" y="2492281"/>
-            <a:ext cx="1823449" cy="563222"/>
+            <a:off x="1422088" y="5369060"/>
+            <a:ext cx="1863450" cy="592382"/>
           </a:xfrm>
           <a:prstGeom prst="rect">
             <a:avLst/>
           </a:prstGeom>
+          <a:solidFill>
+            <a:srgbClr val="D9C7EB"/>
+          </a:solidFill>
+          <a:ln>
+            <a:solidFill>
+              <a:srgbClr val="D9C7EB"/>
+            </a:solidFill>
+          </a:ln>
+          <a:effectLst>
+            <a:outerShdw blurRad="50800" dist="38100" dir="10800000" algn="r" rotWithShape="0">
+              <a:prstClr val="black">
+                <a:alpha val="40000"/>
+              </a:prstClr>
+            </a:outerShdw>
+          </a:effectLst>
         </p:spPr>
         <p:style>
           <a:lnRef idx="2">
@@ -4436,7 +4620,266 @@
           <a:lstStyle/>
           <a:p>
             <a:pPr algn="ctr"/>
-            <a:endParaRPr lang="pt-BR" dirty="0"/>
+            <a:r>
+              <a:rPr lang="pt-BR" dirty="0"/>
+              <a:t>Equipe</a:t>
+            </a:r>
+          </a:p>
+        </p:txBody>
+      </p:sp>
+      <p:sp>
+        <p:nvSpPr>
+          <p:cNvPr id="3" name="Retângulo 2">
+            <a:extLst>
+              <a:ext uri="{FF2B5EF4-FFF2-40B4-BE49-F238E27FC236}">
+                <a16:creationId xmlns:a16="http://schemas.microsoft.com/office/drawing/2014/main" id="{C707D89E-F30B-4429-BED7-BE67F3E03413}"/>
+              </a:ext>
+            </a:extLst>
+          </p:cNvPr>
+          <p:cNvSpPr/>
+          <p:nvPr/>
+        </p:nvSpPr>
+        <p:spPr>
+          <a:xfrm>
+            <a:off x="3374233" y="5361645"/>
+            <a:ext cx="1863450" cy="592383"/>
+          </a:xfrm>
+          <a:prstGeom prst="rect">
+            <a:avLst/>
+          </a:prstGeom>
+          <a:solidFill>
+            <a:srgbClr val="D9C7EB"/>
+          </a:solidFill>
+          <a:ln>
+            <a:solidFill>
+              <a:srgbClr val="D9C7EB"/>
+            </a:solidFill>
+          </a:ln>
+          <a:effectLst>
+            <a:outerShdw blurRad="50800" dist="38100" dir="10800000" algn="r" rotWithShape="0">
+              <a:prstClr val="black">
+                <a:alpha val="40000"/>
+              </a:prstClr>
+            </a:outerShdw>
+          </a:effectLst>
+        </p:spPr>
+        <p:style>
+          <a:lnRef idx="2">
+            <a:schemeClr val="accent1">
+              <a:shade val="50000"/>
+            </a:schemeClr>
+          </a:lnRef>
+          <a:fillRef idx="1">
+            <a:schemeClr val="accent1"/>
+          </a:fillRef>
+          <a:effectRef idx="0">
+            <a:schemeClr val="accent1"/>
+          </a:effectRef>
+          <a:fontRef idx="minor">
+            <a:schemeClr val="lt1"/>
+          </a:fontRef>
+        </p:style>
+        <p:txBody>
+          <a:bodyPr rtlCol="0" anchor="ctr"/>
+          <a:lstStyle/>
+          <a:p>
+            <a:pPr algn="ctr"/>
+            <a:r>
+              <a:rPr lang="pt-BR" dirty="0"/>
+              <a:t>Plataforma Tecnológica</a:t>
+            </a:r>
+          </a:p>
+        </p:txBody>
+      </p:sp>
+      <p:sp>
+        <p:nvSpPr>
+          <p:cNvPr id="4" name="Retângulo 3">
+            <a:extLst>
+              <a:ext uri="{FF2B5EF4-FFF2-40B4-BE49-F238E27FC236}">
+                <a16:creationId xmlns:a16="http://schemas.microsoft.com/office/drawing/2014/main" id="{456D4E6C-ACE4-4EAA-B713-0A872900BCAA}"/>
+              </a:ext>
+            </a:extLst>
+          </p:cNvPr>
+          <p:cNvSpPr/>
+          <p:nvPr/>
+        </p:nvSpPr>
+        <p:spPr>
+          <a:xfrm>
+            <a:off x="2346666" y="5993339"/>
+            <a:ext cx="1790563" cy="563222"/>
+          </a:xfrm>
+          <a:prstGeom prst="rect">
+            <a:avLst/>
+          </a:prstGeom>
+          <a:solidFill>
+            <a:srgbClr val="D9C7EB"/>
+          </a:solidFill>
+          <a:ln>
+            <a:solidFill>
+              <a:srgbClr val="D9C7EB"/>
+            </a:solidFill>
+          </a:ln>
+          <a:effectLst>
+            <a:outerShdw blurRad="50800" dist="38100" dir="10800000" algn="r" rotWithShape="0">
+              <a:prstClr val="black">
+                <a:alpha val="40000"/>
+              </a:prstClr>
+            </a:outerShdw>
+          </a:effectLst>
+        </p:spPr>
+        <p:style>
+          <a:lnRef idx="2">
+            <a:schemeClr val="accent1">
+              <a:shade val="50000"/>
+            </a:schemeClr>
+          </a:lnRef>
+          <a:fillRef idx="1">
+            <a:schemeClr val="accent1"/>
+          </a:fillRef>
+          <a:effectRef idx="0">
+            <a:schemeClr val="accent1"/>
+          </a:effectRef>
+          <a:fontRef idx="minor">
+            <a:schemeClr val="lt1"/>
+          </a:fontRef>
+        </p:style>
+        <p:txBody>
+          <a:bodyPr rtlCol="0" anchor="ctr"/>
+          <a:lstStyle/>
+          <a:p>
+            <a:pPr algn="ctr"/>
+            <a:r>
+              <a:rPr lang="pt-BR" dirty="0"/>
+              <a:t>Atendimento</a:t>
+            </a:r>
+          </a:p>
+        </p:txBody>
+      </p:sp>
+      <p:sp>
+        <p:nvSpPr>
+          <p:cNvPr id="8" name="Retângulo 7">
+            <a:extLst>
+              <a:ext uri="{FF2B5EF4-FFF2-40B4-BE49-F238E27FC236}">
+                <a16:creationId xmlns:a16="http://schemas.microsoft.com/office/drawing/2014/main" id="{E92232AB-415E-4D1A-A2D3-78158F4FD49B}"/>
+              </a:ext>
+            </a:extLst>
+          </p:cNvPr>
+          <p:cNvSpPr/>
+          <p:nvPr/>
+        </p:nvSpPr>
+        <p:spPr>
+          <a:xfrm>
+            <a:off x="6309067" y="5408082"/>
+            <a:ext cx="1863450" cy="592382"/>
+          </a:xfrm>
+          <a:prstGeom prst="rect">
+            <a:avLst/>
+          </a:prstGeom>
+          <a:solidFill>
+            <a:srgbClr val="6BCB82"/>
+          </a:solidFill>
+          <a:ln>
+            <a:solidFill>
+              <a:srgbClr val="6BCB82"/>
+            </a:solidFill>
+          </a:ln>
+          <a:effectLst>
+            <a:outerShdw blurRad="50800" dist="38100" dir="10800000" algn="r" rotWithShape="0">
+              <a:prstClr val="black">
+                <a:alpha val="40000"/>
+              </a:prstClr>
+            </a:outerShdw>
+          </a:effectLst>
+        </p:spPr>
+        <p:style>
+          <a:lnRef idx="2">
+            <a:schemeClr val="accent1">
+              <a:shade val="50000"/>
+            </a:schemeClr>
+          </a:lnRef>
+          <a:fillRef idx="1">
+            <a:schemeClr val="accent1"/>
+          </a:fillRef>
+          <a:effectRef idx="0">
+            <a:schemeClr val="accent1"/>
+          </a:effectRef>
+          <a:fontRef idx="minor">
+            <a:schemeClr val="lt1"/>
+          </a:fontRef>
+        </p:style>
+        <p:txBody>
+          <a:bodyPr rtlCol="0" anchor="ctr"/>
+          <a:lstStyle/>
+          <a:p>
+            <a:pPr algn="ctr"/>
+            <a:r>
+              <a:rPr lang="pt-BR" dirty="0"/>
+              <a:t>Mensalidade</a:t>
+            </a:r>
+          </a:p>
+        </p:txBody>
+      </p:sp>
+      <p:sp>
+        <p:nvSpPr>
+          <p:cNvPr id="11" name="Retângulo 10">
+            <a:extLst>
+              <a:ext uri="{FF2B5EF4-FFF2-40B4-BE49-F238E27FC236}">
+                <a16:creationId xmlns:a16="http://schemas.microsoft.com/office/drawing/2014/main" id="{2C097AED-96C6-44CA-A014-42FF90554C58}"/>
+              </a:ext>
+            </a:extLst>
+          </p:cNvPr>
+          <p:cNvSpPr/>
+          <p:nvPr/>
+        </p:nvSpPr>
+        <p:spPr>
+          <a:xfrm>
+            <a:off x="8261212" y="5397027"/>
+            <a:ext cx="1863450" cy="592382"/>
+          </a:xfrm>
+          <a:prstGeom prst="rect">
+            <a:avLst/>
+          </a:prstGeom>
+          <a:solidFill>
+            <a:srgbClr val="6BCB82"/>
+          </a:solidFill>
+          <a:ln>
+            <a:solidFill>
+              <a:srgbClr val="6BCB82"/>
+            </a:solidFill>
+          </a:ln>
+          <a:effectLst>
+            <a:outerShdw blurRad="50800" dist="38100" dir="10800000" algn="r" rotWithShape="0">
+              <a:prstClr val="black">
+                <a:alpha val="40000"/>
+              </a:prstClr>
+            </a:outerShdw>
+          </a:effectLst>
+        </p:spPr>
+        <p:style>
+          <a:lnRef idx="2">
+            <a:schemeClr val="accent1">
+              <a:shade val="50000"/>
+            </a:schemeClr>
+          </a:lnRef>
+          <a:fillRef idx="1">
+            <a:schemeClr val="accent1"/>
+          </a:fillRef>
+          <a:effectRef idx="0">
+            <a:schemeClr val="accent1"/>
+          </a:effectRef>
+          <a:fontRef idx="minor">
+            <a:schemeClr val="lt1"/>
+          </a:fontRef>
+        </p:style>
+        <p:txBody>
+          <a:bodyPr rtlCol="0" anchor="ctr"/>
+          <a:lstStyle/>
+          <a:p>
+            <a:pPr algn="ctr"/>
+            <a:r>
+              <a:rPr lang="pt-BR" dirty="0"/>
+              <a:t>Taxas</a:t>
+            </a:r>
           </a:p>
         </p:txBody>
       </p:sp>

--- a/Documentação/Canvax/Canvax.pptx
+++ b/Documentação/Canvax/Canvax.pptx
@@ -259,7 +259,7 @@
           <a:p>
             <a:fld id="{7474B9EC-23F1-49BB-B6D8-2F508662A802}" type="datetimeFigureOut">
               <a:rPr lang="pt-BR" smtClean="0"/>
-              <a:t>09/09/2020</a:t>
+              <a:t>13/09/2020</a:t>
             </a:fld>
             <a:endParaRPr lang="pt-BR"/>
           </a:p>
@@ -457,7 +457,7 @@
           <a:p>
             <a:fld id="{7474B9EC-23F1-49BB-B6D8-2F508662A802}" type="datetimeFigureOut">
               <a:rPr lang="pt-BR" smtClean="0"/>
-              <a:t>09/09/2020</a:t>
+              <a:t>13/09/2020</a:t>
             </a:fld>
             <a:endParaRPr lang="pt-BR"/>
           </a:p>
@@ -665,7 +665,7 @@
           <a:p>
             <a:fld id="{7474B9EC-23F1-49BB-B6D8-2F508662A802}" type="datetimeFigureOut">
               <a:rPr lang="pt-BR" smtClean="0"/>
-              <a:t>09/09/2020</a:t>
+              <a:t>13/09/2020</a:t>
             </a:fld>
             <a:endParaRPr lang="pt-BR"/>
           </a:p>
@@ -863,7 +863,7 @@
           <a:p>
             <a:fld id="{7474B9EC-23F1-49BB-B6D8-2F508662A802}" type="datetimeFigureOut">
               <a:rPr lang="pt-BR" smtClean="0"/>
-              <a:t>09/09/2020</a:t>
+              <a:t>13/09/2020</a:t>
             </a:fld>
             <a:endParaRPr lang="pt-BR"/>
           </a:p>
@@ -1138,7 +1138,7 @@
           <a:p>
             <a:fld id="{7474B9EC-23F1-49BB-B6D8-2F508662A802}" type="datetimeFigureOut">
               <a:rPr lang="pt-BR" smtClean="0"/>
-              <a:t>09/09/2020</a:t>
+              <a:t>13/09/2020</a:t>
             </a:fld>
             <a:endParaRPr lang="pt-BR"/>
           </a:p>
@@ -1403,7 +1403,7 @@
           <a:p>
             <a:fld id="{7474B9EC-23F1-49BB-B6D8-2F508662A802}" type="datetimeFigureOut">
               <a:rPr lang="pt-BR" smtClean="0"/>
-              <a:t>09/09/2020</a:t>
+              <a:t>13/09/2020</a:t>
             </a:fld>
             <a:endParaRPr lang="pt-BR"/>
           </a:p>
@@ -1815,7 +1815,7 @@
           <a:p>
             <a:fld id="{7474B9EC-23F1-49BB-B6D8-2F508662A802}" type="datetimeFigureOut">
               <a:rPr lang="pt-BR" smtClean="0"/>
-              <a:t>09/09/2020</a:t>
+              <a:t>13/09/2020</a:t>
             </a:fld>
             <a:endParaRPr lang="pt-BR"/>
           </a:p>
@@ -1956,7 +1956,7 @@
           <a:p>
             <a:fld id="{7474B9EC-23F1-49BB-B6D8-2F508662A802}" type="datetimeFigureOut">
               <a:rPr lang="pt-BR" smtClean="0"/>
-              <a:t>09/09/2020</a:t>
+              <a:t>13/09/2020</a:t>
             </a:fld>
             <a:endParaRPr lang="pt-BR"/>
           </a:p>
@@ -2069,7 +2069,7 @@
           <a:p>
             <a:fld id="{7474B9EC-23F1-49BB-B6D8-2F508662A802}" type="datetimeFigureOut">
               <a:rPr lang="pt-BR" smtClean="0"/>
-              <a:t>09/09/2020</a:t>
+              <a:t>13/09/2020</a:t>
             </a:fld>
             <a:endParaRPr lang="pt-BR"/>
           </a:p>
@@ -2380,7 +2380,7 @@
           <a:p>
             <a:fld id="{7474B9EC-23F1-49BB-B6D8-2F508662A802}" type="datetimeFigureOut">
               <a:rPr lang="pt-BR" smtClean="0"/>
-              <a:t>09/09/2020</a:t>
+              <a:t>13/09/2020</a:t>
             </a:fld>
             <a:endParaRPr lang="pt-BR"/>
           </a:p>
@@ -2668,7 +2668,7 @@
           <a:p>
             <a:fld id="{7474B9EC-23F1-49BB-B6D8-2F508662A802}" type="datetimeFigureOut">
               <a:rPr lang="pt-BR" smtClean="0"/>
-              <a:t>09/09/2020</a:t>
+              <a:t>13/09/2020</a:t>
             </a:fld>
             <a:endParaRPr lang="pt-BR"/>
           </a:p>
@@ -2909,7 +2909,7 @@
           <a:p>
             <a:fld id="{7474B9EC-23F1-49BB-B6D8-2F508662A802}" type="datetimeFigureOut">
               <a:rPr lang="pt-BR" smtClean="0"/>
-              <a:t>09/09/2020</a:t>
+              <a:t>13/09/2020</a:t>
             </a:fld>
             <a:endParaRPr lang="pt-BR"/>
           </a:p>
@@ -4584,7 +4584,7 @@
             <a:avLst/>
           </a:prstGeom>
           <a:solidFill>
-            <a:srgbClr val="D9C7EB"/>
+            <a:srgbClr val="DCBDF5"/>
           </a:solidFill>
           <a:ln>
             <a:solidFill>
@@ -4648,7 +4648,7 @@
             <a:avLst/>
           </a:prstGeom>
           <a:solidFill>
-            <a:srgbClr val="D9C7EB"/>
+            <a:srgbClr val="DCBDF5"/>
           </a:solidFill>
           <a:ln>
             <a:solidFill>
@@ -4712,7 +4712,7 @@
             <a:avLst/>
           </a:prstGeom>
           <a:solidFill>
-            <a:srgbClr val="D9C7EB"/>
+            <a:srgbClr val="DCBDF5"/>
           </a:solidFill>
           <a:ln>
             <a:solidFill>
